--- a/cmake_intro.pptx
+++ b/cmake_intro.pptx
@@ -7,7 +7,6 @@
   <p:sldIdLst>
     <p:sldId id="257" r:id="rId2"/>
     <p:sldId id="290" r:id="rId3"/>
-    <p:sldId id="289" r:id="rId4"/>
   </p:sldIdLst>
   <p:sldSz cx="12192000" cy="6858000"/>
   <p:notesSz cx="6858000" cy="9144000"/>
@@ -106,6 +105,11 @@
       </a:defRPr>
     </a:lvl9pPr>
   </p:defaultTextStyle>
+  <p:extLst>
+    <p:ext uri="{EFAFB233-063F-42B5-8137-9DF3F51BA10A}">
+      <p15:sldGuideLst xmlns:p15="http://schemas.microsoft.com/office/powerpoint/2012/main"/>
+    </p:ext>
+  </p:extLst>
 </p:presentation>
 </file>
 
@@ -3503,7 +3507,7 @@
           <a:p>
             <a:r>
               <a:rPr lang="en-US" dirty="0"/>
-              <a:t>Typographical conventions I</a:t>
+              <a:t>Typographical conventions</a:t>
             </a:r>
             <a:endParaRPr lang="nl-BE" dirty="0"/>
           </a:p>
@@ -4280,835 +4284,6 @@
 </p:sld>
 </file>
 
-<file path=ppt/slides/slide3.xml><?xml version="1.0" encoding="utf-8"?>
-<p:sld xmlns:a="http://schemas.openxmlformats.org/drawingml/2006/main" xmlns:r="http://schemas.openxmlformats.org/officeDocument/2006/relationships" xmlns:p="http://schemas.openxmlformats.org/presentationml/2006/main">
-  <p:cSld>
-    <p:spTree>
-      <p:nvGrpSpPr>
-        <p:cNvPr id="1" name=""/>
-        <p:cNvGrpSpPr/>
-        <p:nvPr/>
-      </p:nvGrpSpPr>
-      <p:grpSpPr>
-        <a:xfrm>
-          <a:off x="0" y="0"/>
-          <a:ext cx="0" cy="0"/>
-          <a:chOff x="0" y="0"/>
-          <a:chExt cx="0" cy="0"/>
-        </a:xfrm>
-      </p:grpSpPr>
-      <p:sp>
-        <p:nvSpPr>
-          <p:cNvPr id="3" name="Content Placeholder 2"/>
-          <p:cNvSpPr>
-            <a:spLocks noGrp="1"/>
-          </p:cNvSpPr>
-          <p:nvPr>
-            <p:ph idx="1"/>
-          </p:nvPr>
-        </p:nvSpPr>
-        <p:spPr/>
-        <p:txBody>
-          <a:bodyPr/>
-          <a:lstStyle/>
-          <a:p>
-            <a:r>
-              <a:rPr lang="en-US" dirty="0"/>
-              <a:t>Inline code fragments and file names are rendered as, e.g., </a:t>
-            </a:r>
-            <a:r>
-              <a:rPr lang="en-US" dirty="0">
-                <a:latin typeface="Courier New" pitchFamily="49" charset="0"/>
-                <a:cs typeface="Courier New" pitchFamily="49" charset="0"/>
-              </a:rPr>
-              <a:t>hello_world.py</a:t>
-            </a:r>
-          </a:p>
-          <a:p>
-            <a:r>
-              <a:rPr lang="en-US" dirty="0"/>
-              <a:t>Longer code fragments are rendered as</a:t>
-            </a:r>
-          </a:p>
-          <a:p>
-            <a:endParaRPr lang="en-US" dirty="0">
-              <a:solidFill>
-                <a:srgbClr val="FF0000"/>
-              </a:solidFill>
-            </a:endParaRPr>
-          </a:p>
-          <a:p>
-            <a:endParaRPr lang="en-US" dirty="0">
-              <a:solidFill>
-                <a:srgbClr val="FF0000"/>
-              </a:solidFill>
-            </a:endParaRPr>
-          </a:p>
-          <a:p>
-            <a:r>
-              <a:rPr lang="en-US" dirty="0"/>
-              <a:t>Data files are rendered as</a:t>
-            </a:r>
-            <a:endParaRPr lang="nl-BE" dirty="0"/>
-          </a:p>
-          <a:p>
-            <a:endParaRPr lang="nl-BE" dirty="0"/>
-          </a:p>
-        </p:txBody>
-      </p:sp>
-      <p:sp>
-        <p:nvSpPr>
-          <p:cNvPr id="13" name="TextBox 12">
-            <a:extLst>
-              <a:ext uri="{FF2B5EF4-FFF2-40B4-BE49-F238E27FC236}">
-                <a16:creationId xmlns:a16="http://schemas.microsoft.com/office/drawing/2014/main" id="{B81FB36A-02A5-4630-BBFC-835E11A925E7}"/>
-              </a:ext>
-            </a:extLst>
-          </p:cNvPr>
-          <p:cNvSpPr txBox="1"/>
-          <p:nvPr/>
-        </p:nvSpPr>
-        <p:spPr>
-          <a:xfrm>
-            <a:off x="2855639" y="4863934"/>
-            <a:ext cx="5285421" cy="1569660"/>
-          </a:xfrm>
-          <a:prstGeom prst="rect">
-            <a:avLst/>
-          </a:prstGeom>
-          <a:solidFill>
-            <a:srgbClr val="FFD966"/>
-          </a:solidFill>
-          <a:ln>
-            <a:solidFill>
-              <a:schemeClr val="tx1"/>
-            </a:solidFill>
-          </a:ln>
-        </p:spPr>
-        <p:txBody>
-          <a:bodyPr wrap="square" rtlCol="0">
-            <a:spAutoFit/>
-          </a:bodyPr>
-          <a:lstStyle/>
-          <a:p>
-            <a:r>
-              <a:rPr lang="en-US" sz="1600" dirty="0">
-                <a:latin typeface="Courier New" pitchFamily="49" charset="0"/>
-                <a:cs typeface="Courier New" pitchFamily="49" charset="0"/>
-              </a:rPr>
-              <a:t>case dim temp</a:t>
-            </a:r>
-          </a:p>
-          <a:p>
-            <a:r>
-              <a:rPr lang="en-US" sz="1600" dirty="0">
-                <a:latin typeface="Courier New" pitchFamily="49" charset="0"/>
-                <a:cs typeface="Courier New" pitchFamily="49" charset="0"/>
-              </a:rPr>
-              <a:t>1 1 -0.5</a:t>
-            </a:r>
-          </a:p>
-          <a:p>
-            <a:r>
-              <a:rPr lang="en-US" sz="1600" dirty="0">
-                <a:latin typeface="Courier New" pitchFamily="49" charset="0"/>
-                <a:cs typeface="Courier New" pitchFamily="49" charset="0"/>
-              </a:rPr>
-              <a:t>2 1 0.0</a:t>
-            </a:r>
-          </a:p>
-          <a:p>
-            <a:r>
-              <a:rPr lang="en-US" sz="1600" dirty="0">
-                <a:latin typeface="Courier New" pitchFamily="49" charset="0"/>
-                <a:cs typeface="Courier New" pitchFamily="49" charset="0"/>
-              </a:rPr>
-              <a:t>3 1 0.5</a:t>
-            </a:r>
-          </a:p>
-          <a:p>
-            <a:r>
-              <a:rPr lang="en-US" sz="1600" dirty="0">
-                <a:latin typeface="Courier New" pitchFamily="49" charset="0"/>
-                <a:cs typeface="Courier New" pitchFamily="49" charset="0"/>
-              </a:rPr>
-              <a:t>4 2 -0.5</a:t>
-            </a:r>
-          </a:p>
-          <a:p>
-            <a:r>
-              <a:rPr lang="en-US" sz="1600" dirty="0">
-                <a:latin typeface="Courier New" pitchFamily="49" charset="0"/>
-                <a:cs typeface="Courier New" pitchFamily="49" charset="0"/>
-              </a:rPr>
-              <a:t>…</a:t>
-            </a:r>
-          </a:p>
-        </p:txBody>
-      </p:sp>
-      <p:sp>
-        <p:nvSpPr>
-          <p:cNvPr id="2" name="Title 1"/>
-          <p:cNvSpPr>
-            <a:spLocks noGrp="1"/>
-          </p:cNvSpPr>
-          <p:nvPr>
-            <p:ph type="title"/>
-          </p:nvPr>
-        </p:nvSpPr>
-        <p:spPr/>
-        <p:txBody>
-          <a:bodyPr/>
-          <a:lstStyle/>
-          <a:p>
-            <a:r>
-              <a:rPr lang="en-US" dirty="0"/>
-              <a:t>Typographical conventions II</a:t>
-            </a:r>
-            <a:endParaRPr lang="nl-BE" dirty="0"/>
-          </a:p>
-        </p:txBody>
-      </p:sp>
-      <p:sp>
-        <p:nvSpPr>
-          <p:cNvPr id="4" name="Slide Number Placeholder 3"/>
-          <p:cNvSpPr>
-            <a:spLocks noGrp="1"/>
-          </p:cNvSpPr>
-          <p:nvPr>
-            <p:ph type="sldNum" sz="quarter" idx="12"/>
-          </p:nvPr>
-        </p:nvSpPr>
-        <p:spPr/>
-        <p:txBody>
-          <a:bodyPr/>
-          <a:lstStyle/>
-          <a:p>
-            <a:fld id="{5A209D72-2E9D-49B0-8977-41DCCC66C0BB}" type="slidenum">
-              <a:rPr lang="nl-BE" smtClean="0"/>
-              <a:t>3</a:t>
-            </a:fld>
-            <a:endParaRPr lang="nl-BE"/>
-          </a:p>
-        </p:txBody>
-      </p:sp>
-      <p:sp>
-        <p:nvSpPr>
-          <p:cNvPr id="5" name="TextBox 4"/>
-          <p:cNvSpPr txBox="1"/>
-          <p:nvPr/>
-        </p:nvSpPr>
-        <p:spPr>
-          <a:xfrm>
-            <a:off x="2855641" y="3137030"/>
-            <a:ext cx="5285421" cy="1200329"/>
-          </a:xfrm>
-          <a:prstGeom prst="rect">
-            <a:avLst/>
-          </a:prstGeom>
-          <a:solidFill>
-            <a:schemeClr val="bg1">
-              <a:lumMod val="85000"/>
-            </a:schemeClr>
-          </a:solidFill>
-        </p:spPr>
-        <p:txBody>
-          <a:bodyPr wrap="square" rtlCol="0">
-            <a:spAutoFit/>
-          </a:bodyPr>
-          <a:lstStyle/>
-          <a:p>
-            <a:r>
-              <a:rPr lang="en-US" dirty="0">
-                <a:latin typeface="Courier New" pitchFamily="49" charset="0"/>
-                <a:cs typeface="Courier New" pitchFamily="49" charset="0"/>
-              </a:rPr>
-              <a:t>#!/</a:t>
-            </a:r>
-            <a:r>
-              <a:rPr lang="en-US" dirty="0" err="1">
-                <a:latin typeface="Courier New" pitchFamily="49" charset="0"/>
-                <a:cs typeface="Courier New" pitchFamily="49" charset="0"/>
-              </a:rPr>
-              <a:t>usr</a:t>
-            </a:r>
-            <a:r>
-              <a:rPr lang="en-US" dirty="0">
-                <a:latin typeface="Courier New" pitchFamily="49" charset="0"/>
-                <a:cs typeface="Courier New" pitchFamily="49" charset="0"/>
-              </a:rPr>
-              <a:t>/bin/</a:t>
-            </a:r>
-            <a:r>
-              <a:rPr lang="en-US" dirty="0" err="1">
-                <a:latin typeface="Courier New" pitchFamily="49" charset="0"/>
-                <a:cs typeface="Courier New" pitchFamily="49" charset="0"/>
-              </a:rPr>
-              <a:t>env</a:t>
-            </a:r>
-            <a:r>
-              <a:rPr lang="en-US" dirty="0">
-                <a:latin typeface="Courier New" pitchFamily="49" charset="0"/>
-                <a:cs typeface="Courier New" pitchFamily="49" charset="0"/>
-              </a:rPr>
-              <a:t> python</a:t>
-            </a:r>
-          </a:p>
-          <a:p>
-            <a:r>
-              <a:rPr lang="en-US" dirty="0">
-                <a:latin typeface="Courier New" pitchFamily="49" charset="0"/>
-                <a:cs typeface="Courier New" pitchFamily="49" charset="0"/>
-              </a:rPr>
-              <a:t>…</a:t>
-            </a:r>
-          </a:p>
-          <a:p>
-            <a:r>
-              <a:rPr lang="en-US" dirty="0">
-                <a:latin typeface="Courier New" pitchFamily="49" charset="0"/>
-                <a:cs typeface="Courier New" pitchFamily="49" charset="0"/>
-              </a:rPr>
-              <a:t>if __name__ == '__main__':</a:t>
-            </a:r>
-          </a:p>
-          <a:p>
-            <a:r>
-              <a:rPr lang="en-US" dirty="0">
-                <a:latin typeface="Courier New" pitchFamily="49" charset="0"/>
-                <a:cs typeface="Courier New" pitchFamily="49" charset="0"/>
-              </a:rPr>
-              <a:t>    print('hello world!')</a:t>
-            </a:r>
-          </a:p>
-        </p:txBody>
-      </p:sp>
-      <p:grpSp>
-        <p:nvGrpSpPr>
-          <p:cNvPr id="14" name="Group 13"/>
-          <p:cNvGrpSpPr/>
-          <p:nvPr/>
-        </p:nvGrpSpPr>
-        <p:grpSpPr>
-          <a:xfrm>
-            <a:off x="2845250" y="3484460"/>
-            <a:ext cx="3564285" cy="2926615"/>
-            <a:chOff x="1321249" y="3584213"/>
-            <a:chExt cx="3564285" cy="2926615"/>
-          </a:xfrm>
-        </p:grpSpPr>
-        <p:sp>
-          <p:nvSpPr>
-            <p:cNvPr id="7" name="Oval 6"/>
-            <p:cNvSpPr/>
-            <p:nvPr/>
-          </p:nvSpPr>
-          <p:spPr>
-            <a:xfrm>
-              <a:off x="1331639" y="6237312"/>
-              <a:ext cx="360041" cy="273516"/>
-            </a:xfrm>
-            <a:prstGeom prst="ellipse">
-              <a:avLst/>
-            </a:prstGeom>
-            <a:noFill/>
-            <a:ln>
-              <a:solidFill>
-                <a:srgbClr val="C00000"/>
-              </a:solidFill>
-            </a:ln>
-          </p:spPr>
-          <p:style>
-            <a:lnRef idx="2">
-              <a:schemeClr val="accent1">
-                <a:shade val="50000"/>
-              </a:schemeClr>
-            </a:lnRef>
-            <a:fillRef idx="1">
-              <a:schemeClr val="accent1"/>
-            </a:fillRef>
-            <a:effectRef idx="0">
-              <a:schemeClr val="accent1"/>
-            </a:effectRef>
-            <a:fontRef idx="minor">
-              <a:schemeClr val="lt1"/>
-            </a:fontRef>
-          </p:style>
-          <p:txBody>
-            <a:bodyPr rtlCol="0" anchor="ctr"/>
-            <a:lstStyle/>
-            <a:p>
-              <a:pPr algn="ctr"/>
-              <a:endParaRPr lang="nl-BE"/>
-            </a:p>
-          </p:txBody>
-        </p:sp>
-        <p:cxnSp>
-          <p:nvCxnSpPr>
-            <p:cNvPr id="9" name="Straight Arrow Connector 8"/>
-            <p:cNvCxnSpPr>
-              <a:stCxn id="10" idx="1"/>
-              <a:endCxn id="7" idx="6"/>
-            </p:cNvCxnSpPr>
-            <p:nvPr/>
-          </p:nvCxnSpPr>
-          <p:spPr>
-            <a:xfrm flipH="1">
-              <a:off x="1691680" y="5858572"/>
-              <a:ext cx="2016224" cy="515498"/>
-            </a:xfrm>
-            <a:prstGeom prst="straightConnector1">
-              <a:avLst/>
-            </a:prstGeom>
-            <a:ln w="28575">
-              <a:solidFill>
-                <a:srgbClr val="C00000"/>
-              </a:solidFill>
-              <a:tailEnd type="stealth" w="lg" len="lg"/>
-            </a:ln>
-          </p:spPr>
-          <p:style>
-            <a:lnRef idx="1">
-              <a:schemeClr val="accent1"/>
-            </a:lnRef>
-            <a:fillRef idx="0">
-              <a:schemeClr val="accent1"/>
-            </a:fillRef>
-            <a:effectRef idx="0">
-              <a:schemeClr val="accent1"/>
-            </a:effectRef>
-            <a:fontRef idx="minor">
-              <a:schemeClr val="tx1"/>
-            </a:fontRef>
-          </p:style>
-        </p:cxnSp>
-        <p:sp>
-          <p:nvSpPr>
-            <p:cNvPr id="10" name="TextBox 9"/>
-            <p:cNvSpPr txBox="1"/>
-            <p:nvPr/>
-          </p:nvSpPr>
-          <p:spPr>
-            <a:xfrm>
-              <a:off x="3707904" y="5535406"/>
-              <a:ext cx="1177630" cy="646331"/>
-            </a:xfrm>
-            <a:prstGeom prst="rect">
-              <a:avLst/>
-            </a:prstGeom>
-            <a:solidFill>
-              <a:schemeClr val="bg1"/>
-            </a:solidFill>
-            <a:ln w="19050">
-              <a:solidFill>
-                <a:srgbClr val="C00000"/>
-              </a:solidFill>
-            </a:ln>
-          </p:spPr>
-          <p:txBody>
-            <a:bodyPr wrap="none" rtlCol="0">
-              <a:spAutoFit/>
-            </a:bodyPr>
-            <a:lstStyle/>
-            <a:p>
-              <a:r>
-                <a:rPr lang="en-US" dirty="0"/>
-                <a:t>fragment</a:t>
-              </a:r>
-              <a:br>
-                <a:rPr lang="en-US" dirty="0"/>
-              </a:br>
-              <a:r>
-                <a:rPr lang="en-US" dirty="0"/>
-                <a:t>not shown</a:t>
-              </a:r>
-              <a:endParaRPr lang="nl-BE" dirty="0"/>
-            </a:p>
-          </p:txBody>
-        </p:sp>
-        <p:sp>
-          <p:nvSpPr>
-            <p:cNvPr id="11" name="Oval 10"/>
-            <p:cNvSpPr/>
-            <p:nvPr/>
-          </p:nvSpPr>
-          <p:spPr>
-            <a:xfrm>
-              <a:off x="1321249" y="3584213"/>
-              <a:ext cx="360041" cy="273516"/>
-            </a:xfrm>
-            <a:prstGeom prst="ellipse">
-              <a:avLst/>
-            </a:prstGeom>
-            <a:noFill/>
-            <a:ln>
-              <a:solidFill>
-                <a:srgbClr val="C00000"/>
-              </a:solidFill>
-            </a:ln>
-          </p:spPr>
-          <p:style>
-            <a:lnRef idx="2">
-              <a:schemeClr val="accent1">
-                <a:shade val="50000"/>
-              </a:schemeClr>
-            </a:lnRef>
-            <a:fillRef idx="1">
-              <a:schemeClr val="accent1"/>
-            </a:fillRef>
-            <a:effectRef idx="0">
-              <a:schemeClr val="accent1"/>
-            </a:effectRef>
-            <a:fontRef idx="minor">
-              <a:schemeClr val="lt1"/>
-            </a:fontRef>
-          </p:style>
-          <p:txBody>
-            <a:bodyPr rtlCol="0" anchor="ctr"/>
-            <a:lstStyle/>
-            <a:p>
-              <a:pPr algn="ctr"/>
-              <a:endParaRPr lang="nl-BE"/>
-            </a:p>
-          </p:txBody>
-        </p:sp>
-        <p:cxnSp>
-          <p:nvCxnSpPr>
-            <p:cNvPr id="12" name="Straight Arrow Connector 11"/>
-            <p:cNvCxnSpPr>
-              <a:stCxn id="10" idx="1"/>
-              <a:endCxn id="11" idx="6"/>
-            </p:cNvCxnSpPr>
-            <p:nvPr/>
-          </p:nvCxnSpPr>
-          <p:spPr>
-            <a:xfrm flipH="1" flipV="1">
-              <a:off x="1681290" y="3720971"/>
-              <a:ext cx="2026614" cy="2137601"/>
-            </a:xfrm>
-            <a:prstGeom prst="straightConnector1">
-              <a:avLst/>
-            </a:prstGeom>
-            <a:ln w="28575">
-              <a:solidFill>
-                <a:srgbClr val="C00000"/>
-              </a:solidFill>
-              <a:tailEnd type="stealth" w="lg" len="lg"/>
-            </a:ln>
-          </p:spPr>
-          <p:style>
-            <a:lnRef idx="1">
-              <a:schemeClr val="accent1"/>
-            </a:lnRef>
-            <a:fillRef idx="0">
-              <a:schemeClr val="accent1"/>
-            </a:fillRef>
-            <a:effectRef idx="0">
-              <a:schemeClr val="accent1"/>
-            </a:effectRef>
-            <a:fontRef idx="minor">
-              <a:schemeClr val="tx1"/>
-            </a:fontRef>
-          </p:style>
-        </p:cxnSp>
-      </p:grpSp>
-    </p:spTree>
-    <p:extLst>
-      <p:ext uri="{BB962C8B-B14F-4D97-AF65-F5344CB8AC3E}">
-        <p14:creationId xmlns:p14="http://schemas.microsoft.com/office/powerpoint/2010/main" val="3706909188"/>
-      </p:ext>
-    </p:extLst>
-  </p:cSld>
-  <p:clrMapOvr>
-    <a:masterClrMapping/>
-  </p:clrMapOvr>
-  <p:timing>
-    <p:tnLst>
-      <p:par>
-        <p:cTn id="1" dur="indefinite" restart="never" nodeType="tmRoot">
-          <p:childTnLst>
-            <p:seq concurrent="1" nextAc="seek">
-              <p:cTn id="2" dur="indefinite" nodeType="mainSeq">
-                <p:childTnLst>
-                  <p:par>
-                    <p:cTn id="3" fill="hold">
-                      <p:stCondLst>
-                        <p:cond delay="indefinite"/>
-                        <p:cond evt="onBegin" delay="0">
-                          <p:tn val="2"/>
-                        </p:cond>
-                      </p:stCondLst>
-                      <p:childTnLst>
-                        <p:par>
-                          <p:cTn id="4" fill="hold">
-                            <p:stCondLst>
-                              <p:cond delay="0"/>
-                            </p:stCondLst>
-                            <p:childTnLst>
-                              <p:par>
-                                <p:cTn id="5" presetID="1" presetClass="entr" presetSubtype="0" fill="hold" grpId="0" nodeType="withEffect">
-                                  <p:stCondLst>
-                                    <p:cond delay="0"/>
-                                  </p:stCondLst>
-                                  <p:childTnLst>
-                                    <p:set>
-                                      <p:cBhvr>
-                                        <p:cTn id="6" dur="1" fill="hold">
-                                          <p:stCondLst>
-                                            <p:cond delay="0"/>
-                                          </p:stCondLst>
-                                        </p:cTn>
-                                        <p:tgtEl>
-                                          <p:spTgt spid="3">
-                                            <p:txEl>
-                                              <p:pRg st="0" end="0"/>
-                                            </p:txEl>
-                                          </p:spTgt>
-                                        </p:tgtEl>
-                                        <p:attrNameLst>
-                                          <p:attrName>style.visibility</p:attrName>
-                                        </p:attrNameLst>
-                                      </p:cBhvr>
-                                      <p:to>
-                                        <p:strVal val="visible"/>
-                                      </p:to>
-                                    </p:set>
-                                  </p:childTnLst>
-                                </p:cTn>
-                              </p:par>
-                            </p:childTnLst>
-                          </p:cTn>
-                        </p:par>
-                      </p:childTnLst>
-                    </p:cTn>
-                  </p:par>
-                  <p:par>
-                    <p:cTn id="7" fill="hold">
-                      <p:stCondLst>
-                        <p:cond delay="indefinite"/>
-                      </p:stCondLst>
-                      <p:childTnLst>
-                        <p:par>
-                          <p:cTn id="8" fill="hold">
-                            <p:stCondLst>
-                              <p:cond delay="0"/>
-                            </p:stCondLst>
-                            <p:childTnLst>
-                              <p:par>
-                                <p:cTn id="9" presetID="1" presetClass="entr" presetSubtype="0" fill="hold" grpId="0" nodeType="clickEffect">
-                                  <p:stCondLst>
-                                    <p:cond delay="0"/>
-                                  </p:stCondLst>
-                                  <p:childTnLst>
-                                    <p:set>
-                                      <p:cBhvr>
-                                        <p:cTn id="10" dur="1" fill="hold">
-                                          <p:stCondLst>
-                                            <p:cond delay="0"/>
-                                          </p:stCondLst>
-                                        </p:cTn>
-                                        <p:tgtEl>
-                                          <p:spTgt spid="3">
-                                            <p:txEl>
-                                              <p:pRg st="1" end="1"/>
-                                            </p:txEl>
-                                          </p:spTgt>
-                                        </p:tgtEl>
-                                        <p:attrNameLst>
-                                          <p:attrName>style.visibility</p:attrName>
-                                        </p:attrNameLst>
-                                      </p:cBhvr>
-                                      <p:to>
-                                        <p:strVal val="visible"/>
-                                      </p:to>
-                                    </p:set>
-                                  </p:childTnLst>
-                                </p:cTn>
-                              </p:par>
-                              <p:par>
-                                <p:cTn id="11" presetID="1" presetClass="entr" presetSubtype="0" fill="hold" grpId="0" nodeType="withEffect">
-                                  <p:stCondLst>
-                                    <p:cond delay="0"/>
-                                  </p:stCondLst>
-                                  <p:childTnLst>
-                                    <p:set>
-                                      <p:cBhvr>
-                                        <p:cTn id="12" dur="1" fill="hold">
-                                          <p:stCondLst>
-                                            <p:cond delay="0"/>
-                                          </p:stCondLst>
-                                        </p:cTn>
-                                        <p:tgtEl>
-                                          <p:spTgt spid="5"/>
-                                        </p:tgtEl>
-                                        <p:attrNameLst>
-                                          <p:attrName>style.visibility</p:attrName>
-                                        </p:attrNameLst>
-                                      </p:cBhvr>
-                                      <p:to>
-                                        <p:strVal val="visible"/>
-                                      </p:to>
-                                    </p:set>
-                                  </p:childTnLst>
-                                </p:cTn>
-                              </p:par>
-                            </p:childTnLst>
-                          </p:cTn>
-                        </p:par>
-                      </p:childTnLst>
-                    </p:cTn>
-                  </p:par>
-                  <p:par>
-                    <p:cTn id="13" fill="hold">
-                      <p:stCondLst>
-                        <p:cond delay="indefinite"/>
-                      </p:stCondLst>
-                      <p:childTnLst>
-                        <p:par>
-                          <p:cTn id="14" fill="hold">
-                            <p:stCondLst>
-                              <p:cond delay="0"/>
-                            </p:stCondLst>
-                            <p:childTnLst>
-                              <p:par>
-                                <p:cTn id="15" presetID="1" presetClass="entr" presetSubtype="0" fill="hold" grpId="0" nodeType="clickEffect">
-                                  <p:stCondLst>
-                                    <p:cond delay="0"/>
-                                  </p:stCondLst>
-                                  <p:childTnLst>
-                                    <p:set>
-                                      <p:cBhvr>
-                                        <p:cTn id="16" dur="1" fill="hold">
-                                          <p:stCondLst>
-                                            <p:cond delay="0"/>
-                                          </p:stCondLst>
-                                        </p:cTn>
-                                        <p:tgtEl>
-                                          <p:spTgt spid="3">
-                                            <p:txEl>
-                                              <p:pRg st="4" end="4"/>
-                                            </p:txEl>
-                                          </p:spTgt>
-                                        </p:tgtEl>
-                                        <p:attrNameLst>
-                                          <p:attrName>style.visibility</p:attrName>
-                                        </p:attrNameLst>
-                                      </p:cBhvr>
-                                      <p:to>
-                                        <p:strVal val="visible"/>
-                                      </p:to>
-                                    </p:set>
-                                  </p:childTnLst>
-                                </p:cTn>
-                              </p:par>
-                              <p:par>
-                                <p:cTn id="17" presetID="1" presetClass="entr" presetSubtype="0" fill="hold" grpId="0" nodeType="withEffect">
-                                  <p:stCondLst>
-                                    <p:cond delay="0"/>
-                                  </p:stCondLst>
-                                  <p:childTnLst>
-                                    <p:set>
-                                      <p:cBhvr>
-                                        <p:cTn id="18" dur="1" fill="hold">
-                                          <p:stCondLst>
-                                            <p:cond delay="0"/>
-                                          </p:stCondLst>
-                                        </p:cTn>
-                                        <p:tgtEl>
-                                          <p:spTgt spid="13"/>
-                                        </p:tgtEl>
-                                        <p:attrNameLst>
-                                          <p:attrName>style.visibility</p:attrName>
-                                        </p:attrNameLst>
-                                      </p:cBhvr>
-                                      <p:to>
-                                        <p:strVal val="visible"/>
-                                      </p:to>
-                                    </p:set>
-                                  </p:childTnLst>
-                                </p:cTn>
-                              </p:par>
-                            </p:childTnLst>
-                          </p:cTn>
-                        </p:par>
-                      </p:childTnLst>
-                    </p:cTn>
-                  </p:par>
-                  <p:par>
-                    <p:cTn id="19" fill="hold">
-                      <p:stCondLst>
-                        <p:cond delay="indefinite"/>
-                      </p:stCondLst>
-                      <p:childTnLst>
-                        <p:par>
-                          <p:cTn id="20" fill="hold">
-                            <p:stCondLst>
-                              <p:cond delay="0"/>
-                            </p:stCondLst>
-                            <p:childTnLst>
-                              <p:par>
-                                <p:cTn id="21" presetID="1" presetClass="entr" presetSubtype="0" fill="hold" nodeType="clickEffect">
-                                  <p:stCondLst>
-                                    <p:cond delay="0"/>
-                                  </p:stCondLst>
-                                  <p:childTnLst>
-                                    <p:set>
-                                      <p:cBhvr>
-                                        <p:cTn id="22" dur="1" fill="hold">
-                                          <p:stCondLst>
-                                            <p:cond delay="0"/>
-                                          </p:stCondLst>
-                                        </p:cTn>
-                                        <p:tgtEl>
-                                          <p:spTgt spid="14"/>
-                                        </p:tgtEl>
-                                        <p:attrNameLst>
-                                          <p:attrName>style.visibility</p:attrName>
-                                        </p:attrNameLst>
-                                      </p:cBhvr>
-                                      <p:to>
-                                        <p:strVal val="visible"/>
-                                      </p:to>
-                                    </p:set>
-                                  </p:childTnLst>
-                                </p:cTn>
-                              </p:par>
-                            </p:childTnLst>
-                          </p:cTn>
-                        </p:par>
-                      </p:childTnLst>
-                    </p:cTn>
-                  </p:par>
-                </p:childTnLst>
-              </p:cTn>
-              <p:prevCondLst>
-                <p:cond evt="onPrev" delay="0">
-                  <p:tgtEl>
-                    <p:sldTgt/>
-                  </p:tgtEl>
-                </p:cond>
-              </p:prevCondLst>
-              <p:nextCondLst>
-                <p:cond evt="onNext" delay="0">
-                  <p:tgtEl>
-                    <p:sldTgt/>
-                  </p:tgtEl>
-                </p:cond>
-              </p:nextCondLst>
-            </p:seq>
-          </p:childTnLst>
-        </p:cTn>
-      </p:par>
-    </p:tnLst>
-    <p:bldLst>
-      <p:bldP spid="3" grpId="0" uiExpand="1" build="p"/>
-      <p:bldP spid="13" grpId="0" animBg="1"/>
-      <p:bldP spid="5" grpId="0" animBg="1"/>
-    </p:bldLst>
-  </p:timing>
-</p:sld>
-</file>
-
 <file path=ppt/theme/theme1.xml><?xml version="1.0" encoding="utf-8"?>
 <a:theme xmlns:a="http://schemas.openxmlformats.org/drawingml/2006/main" name="Office Theme">
   <a:themeElements>
